--- a/Lectures/ceph.pptx
+++ b/Lectures/ceph.pptx
@@ -219,7 +219,7 @@
           <a:p>
             <a:fld id="{6A82CB5C-1230-2B48-81E9-725F48625BED}" type="datetimeFigureOut">
               <a:rPr lang="en-US" smtClean="0"/>
-              <a:t>4/24/14</a:t>
+              <a:t>4/27/15</a:t>
             </a:fld>
             <a:endParaRPr lang="en-US"/>
           </a:p>
@@ -3015,7 +3015,7 @@
             <a:fld id="{23A271A1-F6D6-438B-A432-4747EE7ECD40}" type="datetimeFigureOut">
               <a:rPr lang="en-US" smtClean="0"/>
               <a:pPr algn="ctr" eaLnBrk="1" latinLnBrk="0" hangingPunct="1"/>
-              <a:t>4/24/14</a:t>
+              <a:t>4/27/15</a:t>
             </a:fld>
             <a:endParaRPr lang="en-US" sz="2000" dirty="0">
               <a:solidFill>
@@ -3222,7 +3222,7 @@
             <a:fld id="{23A271A1-F6D6-438B-A432-4747EE7ECD40}" type="datetimeFigureOut">
               <a:rPr lang="en-US" smtClean="0"/>
               <a:pPr eaLnBrk="1" latinLnBrk="0" hangingPunct="1"/>
-              <a:t>4/24/14</a:t>
+              <a:t>4/27/15</a:t>
             </a:fld>
             <a:endParaRPr lang="en-US"/>
           </a:p>
@@ -3410,7 +3410,7 @@
             <a:fld id="{23A271A1-F6D6-438B-A432-4747EE7ECD40}" type="datetimeFigureOut">
               <a:rPr lang="en-US" smtClean="0"/>
               <a:pPr eaLnBrk="1" latinLnBrk="0" hangingPunct="1"/>
-              <a:t>4/24/14</a:t>
+              <a:t>4/27/15</a:t>
             </a:fld>
             <a:endParaRPr lang="en-US" dirty="0"/>
           </a:p>
@@ -3676,7 +3676,7 @@
             <a:fld id="{23A271A1-F6D6-438B-A432-4747EE7ECD40}" type="datetimeFigureOut">
               <a:rPr lang="en-US" smtClean="0"/>
               <a:pPr eaLnBrk="1" latinLnBrk="0" hangingPunct="1"/>
-              <a:t>4/24/14</a:t>
+              <a:t>4/27/15</a:t>
             </a:fld>
             <a:endParaRPr lang="en-US" dirty="0"/>
           </a:p>
@@ -4099,7 +4099,7 @@
             <a:fld id="{23A271A1-F6D6-438B-A432-4747EE7ECD40}" type="datetimeFigureOut">
               <a:rPr lang="en-US" smtClean="0"/>
               <a:pPr eaLnBrk="1" latinLnBrk="0" hangingPunct="1"/>
-              <a:t>4/24/14</a:t>
+              <a:t>4/27/15</a:t>
             </a:fld>
             <a:endParaRPr lang="en-US"/>
           </a:p>
@@ -4349,7 +4349,7 @@
             <a:fld id="{23A271A1-F6D6-438B-A432-4747EE7ECD40}" type="datetimeFigureOut">
               <a:rPr lang="en-US" smtClean="0"/>
               <a:pPr eaLnBrk="1" latinLnBrk="0" hangingPunct="1"/>
-              <a:t>4/24/14</a:t>
+              <a:t>4/27/15</a:t>
             </a:fld>
             <a:endParaRPr lang="en-US"/>
           </a:p>
@@ -4589,7 +4589,7 @@
             <a:fld id="{23A271A1-F6D6-438B-A432-4747EE7ECD40}" type="datetimeFigureOut">
               <a:rPr lang="en-US" smtClean="0"/>
               <a:pPr eaLnBrk="1" latinLnBrk="0" hangingPunct="1"/>
-              <a:t>4/24/14</a:t>
+              <a:t>4/27/15</a:t>
             </a:fld>
             <a:endParaRPr lang="en-US"/>
           </a:p>
@@ -4788,7 +4788,7 @@
             <a:fld id="{23A271A1-F6D6-438B-A432-4747EE7ECD40}" type="datetimeFigureOut">
               <a:rPr lang="en-US" smtClean="0"/>
               <a:pPr eaLnBrk="1" latinLnBrk="0" hangingPunct="1"/>
-              <a:t>4/24/14</a:t>
+              <a:t>4/27/15</a:t>
             </a:fld>
             <a:endParaRPr lang="en-US"/>
           </a:p>
@@ -4893,7 +4893,7 @@
             <a:fld id="{23A271A1-F6D6-438B-A432-4747EE7ECD40}" type="datetimeFigureOut">
               <a:rPr lang="en-US" smtClean="0"/>
               <a:pPr eaLnBrk="1" latinLnBrk="0" hangingPunct="1"/>
-              <a:t>4/24/14</a:t>
+              <a:t>4/27/15</a:t>
             </a:fld>
             <a:endParaRPr lang="en-US"/>
           </a:p>
@@ -5036,7 +5036,7 @@
             <a:fld id="{23A271A1-F6D6-438B-A432-4747EE7ECD40}" type="datetimeFigureOut">
               <a:rPr lang="en-US" smtClean="0"/>
               <a:pPr eaLnBrk="1" latinLnBrk="0" hangingPunct="1"/>
-              <a:t>4/24/14</a:t>
+              <a:t>4/27/15</a:t>
             </a:fld>
             <a:endParaRPr lang="en-US"/>
           </a:p>
@@ -5561,7 +5561,7 @@
             <a:fld id="{23A271A1-F6D6-438B-A432-4747EE7ECD40}" type="datetimeFigureOut">
               <a:rPr lang="en-US" smtClean="0"/>
               <a:pPr eaLnBrk="1" latinLnBrk="0" hangingPunct="1"/>
-              <a:t>4/24/14</a:t>
+              <a:t>4/27/15</a:t>
             </a:fld>
             <a:endParaRPr lang="en-US"/>
           </a:p>
@@ -5826,7 +5826,7 @@
             <a:fld id="{23A271A1-F6D6-438B-A432-4747EE7ECD40}" type="datetimeFigureOut">
               <a:rPr lang="en-US" smtClean="0"/>
               <a:pPr eaLnBrk="1" latinLnBrk="0" hangingPunct="1"/>
-              <a:t>4/24/14</a:t>
+              <a:t>4/27/15</a:t>
             </a:fld>
             <a:endParaRPr lang="en-US" sz="1400" dirty="0">
               <a:solidFill>
@@ -6429,15 +6429,7 @@
           <a:p>
             <a:r>
               <a:rPr lang="en-US" dirty="0" smtClean="0"/>
-              <a:t>FISH 310 April 25</a:t>
-            </a:r>
-            <a:r>
-              <a:rPr lang="en-US" baseline="30000" dirty="0" smtClean="0"/>
-              <a:t>th</a:t>
-            </a:r>
-            <a:r>
-              <a:rPr lang="en-US" dirty="0" smtClean="0"/>
-              <a:t>, 2013</a:t>
+              <a:t>Lecture 11</a:t>
             </a:r>
             <a:endParaRPr lang="en-US" dirty="0"/>
           </a:p>
@@ -6634,10 +6626,6 @@
             </a:lvl9pPr>
           </a:lstStyle>
           <a:p>
-            <a:r>
-              <a:rPr lang="en-US" dirty="0" smtClean="0"/>
-              <a:t>Lecture 12</a:t>
-            </a:r>
             <a:endParaRPr lang="en-US" dirty="0"/>
           </a:p>
         </p:txBody>
